--- a/ANAMAYA.pptx
+++ b/ANAMAYA.pptx
@@ -10,7 +10,8 @@
     <p:sldId id="258" r:id="rId4"/>
     <p:sldId id="257" r:id="rId5"/>
     <p:sldId id="259" r:id="rId6"/>
-    <p:sldId id="261" r:id="rId7"/>
+    <p:sldId id="262" r:id="rId7"/>
+    <p:sldId id="261" r:id="rId8"/>
   </p:sldIdLst>
   <p:sldSz cx="9144000" cy="6858000" type="screen4x3"/>
   <p:notesSz cx="6858000" cy="9144000"/>
@@ -285,6 +286,7 @@
           <a:p>
             <a:fld id="{FCB5C6AF-1F58-4819-A7D2-7BA1DB72D4E6}" type="datetimeFigureOut">
               <a:rPr lang="en-US" smtClean="0"/>
+              <a:pPr/>
               <a:t>6/1/2019</a:t>
             </a:fld>
             <a:endParaRPr lang="en-IN"/>
@@ -327,6 +329,7 @@
           <a:p>
             <a:fld id="{B39EDA66-DC14-4E1F-9D06-9ADEFF45DEA6}" type="slidenum">
               <a:rPr lang="en-IN" smtClean="0"/>
+              <a:pPr/>
               <a:t>‹#›</a:t>
             </a:fld>
             <a:endParaRPr lang="en-IN"/>
@@ -450,6 +453,7 @@
           <a:p>
             <a:fld id="{FCB5C6AF-1F58-4819-A7D2-7BA1DB72D4E6}" type="datetimeFigureOut">
               <a:rPr lang="en-US" smtClean="0"/>
+              <a:pPr/>
               <a:t>6/1/2019</a:t>
             </a:fld>
             <a:endParaRPr lang="en-IN"/>
@@ -492,6 +496,7 @@
           <a:p>
             <a:fld id="{B39EDA66-DC14-4E1F-9D06-9ADEFF45DEA6}" type="slidenum">
               <a:rPr lang="en-IN" smtClean="0"/>
+              <a:pPr/>
               <a:t>‹#›</a:t>
             </a:fld>
             <a:endParaRPr lang="en-IN"/>
@@ -625,6 +630,7 @@
           <a:p>
             <a:fld id="{FCB5C6AF-1F58-4819-A7D2-7BA1DB72D4E6}" type="datetimeFigureOut">
               <a:rPr lang="en-US" smtClean="0"/>
+              <a:pPr/>
               <a:t>6/1/2019</a:t>
             </a:fld>
             <a:endParaRPr lang="en-IN"/>
@@ -667,6 +673,7 @@
           <a:p>
             <a:fld id="{B39EDA66-DC14-4E1F-9D06-9ADEFF45DEA6}" type="slidenum">
               <a:rPr lang="en-IN" smtClean="0"/>
+              <a:pPr/>
               <a:t>‹#›</a:t>
             </a:fld>
             <a:endParaRPr lang="en-IN"/>
@@ -790,6 +797,7 @@
           <a:p>
             <a:fld id="{FCB5C6AF-1F58-4819-A7D2-7BA1DB72D4E6}" type="datetimeFigureOut">
               <a:rPr lang="en-US" smtClean="0"/>
+              <a:pPr/>
               <a:t>6/1/2019</a:t>
             </a:fld>
             <a:endParaRPr lang="en-IN"/>
@@ -832,6 +840,7 @@
           <a:p>
             <a:fld id="{B39EDA66-DC14-4E1F-9D06-9ADEFF45DEA6}" type="slidenum">
               <a:rPr lang="en-IN" smtClean="0"/>
+              <a:pPr/>
               <a:t>‹#›</a:t>
             </a:fld>
             <a:endParaRPr lang="en-IN"/>
@@ -1032,6 +1041,7 @@
           <a:p>
             <a:fld id="{FCB5C6AF-1F58-4819-A7D2-7BA1DB72D4E6}" type="datetimeFigureOut">
               <a:rPr lang="en-US" smtClean="0"/>
+              <a:pPr/>
               <a:t>6/1/2019</a:t>
             </a:fld>
             <a:endParaRPr lang="en-IN"/>
@@ -1074,6 +1084,7 @@
           <a:p>
             <a:fld id="{B39EDA66-DC14-4E1F-9D06-9ADEFF45DEA6}" type="slidenum">
               <a:rPr lang="en-IN" smtClean="0"/>
+              <a:pPr/>
               <a:t>‹#›</a:t>
             </a:fld>
             <a:endParaRPr lang="en-IN"/>
@@ -1296,6 +1307,7 @@
           <a:p>
             <a:fld id="{FCB5C6AF-1F58-4819-A7D2-7BA1DB72D4E6}" type="datetimeFigureOut">
               <a:rPr lang="en-US" smtClean="0"/>
+              <a:pPr/>
               <a:t>6/1/2019</a:t>
             </a:fld>
             <a:endParaRPr lang="en-IN"/>
@@ -1338,6 +1350,7 @@
           <a:p>
             <a:fld id="{B39EDA66-DC14-4E1F-9D06-9ADEFF45DEA6}" type="slidenum">
               <a:rPr lang="en-IN" smtClean="0"/>
+              <a:pPr/>
               <a:t>‹#›</a:t>
             </a:fld>
             <a:endParaRPr lang="en-IN"/>
@@ -1674,6 +1687,7 @@
           <a:p>
             <a:fld id="{FCB5C6AF-1F58-4819-A7D2-7BA1DB72D4E6}" type="datetimeFigureOut">
               <a:rPr lang="en-US" smtClean="0"/>
+              <a:pPr/>
               <a:t>6/1/2019</a:t>
             </a:fld>
             <a:endParaRPr lang="en-IN"/>
@@ -1716,6 +1730,7 @@
           <a:p>
             <a:fld id="{B39EDA66-DC14-4E1F-9D06-9ADEFF45DEA6}" type="slidenum">
               <a:rPr lang="en-IN" smtClean="0"/>
+              <a:pPr/>
               <a:t>‹#›</a:t>
             </a:fld>
             <a:endParaRPr lang="en-IN"/>
@@ -1824,6 +1839,7 @@
           <a:p>
             <a:fld id="{FCB5C6AF-1F58-4819-A7D2-7BA1DB72D4E6}" type="datetimeFigureOut">
               <a:rPr lang="en-US" smtClean="0"/>
+              <a:pPr/>
               <a:t>6/1/2019</a:t>
             </a:fld>
             <a:endParaRPr lang="en-IN"/>
@@ -1866,6 +1882,7 @@
           <a:p>
             <a:fld id="{B39EDA66-DC14-4E1F-9D06-9ADEFF45DEA6}" type="slidenum">
               <a:rPr lang="en-IN" smtClean="0"/>
+              <a:pPr/>
               <a:t>‹#›</a:t>
             </a:fld>
             <a:endParaRPr lang="en-IN"/>
@@ -1914,6 +1931,7 @@
           <a:p>
             <a:fld id="{FCB5C6AF-1F58-4819-A7D2-7BA1DB72D4E6}" type="datetimeFigureOut">
               <a:rPr lang="en-US" smtClean="0"/>
+              <a:pPr/>
               <a:t>6/1/2019</a:t>
             </a:fld>
             <a:endParaRPr lang="en-IN"/>
@@ -1956,6 +1974,7 @@
           <a:p>
             <a:fld id="{B39EDA66-DC14-4E1F-9D06-9ADEFF45DEA6}" type="slidenum">
               <a:rPr lang="en-IN" smtClean="0"/>
+              <a:pPr/>
               <a:t>‹#›</a:t>
             </a:fld>
             <a:endParaRPr lang="en-IN"/>
@@ -2175,6 +2194,7 @@
           <a:p>
             <a:fld id="{FCB5C6AF-1F58-4819-A7D2-7BA1DB72D4E6}" type="datetimeFigureOut">
               <a:rPr lang="en-US" smtClean="0"/>
+              <a:pPr/>
               <a:t>6/1/2019</a:t>
             </a:fld>
             <a:endParaRPr lang="en-IN"/>
@@ -2217,6 +2237,7 @@
           <a:p>
             <a:fld id="{B39EDA66-DC14-4E1F-9D06-9ADEFF45DEA6}" type="slidenum">
               <a:rPr lang="en-IN" smtClean="0"/>
+              <a:pPr/>
               <a:t>‹#›</a:t>
             </a:fld>
             <a:endParaRPr lang="en-IN"/>
@@ -2463,6 +2484,7 @@
           <a:p>
             <a:fld id="{FCB5C6AF-1F58-4819-A7D2-7BA1DB72D4E6}" type="datetimeFigureOut">
               <a:rPr lang="en-US" smtClean="0"/>
+              <a:pPr/>
               <a:t>6/1/2019</a:t>
             </a:fld>
             <a:endParaRPr lang="en-IN"/>
@@ -2510,6 +2532,7 @@
           <a:p>
             <a:fld id="{B39EDA66-DC14-4E1F-9D06-9ADEFF45DEA6}" type="slidenum">
               <a:rPr lang="en-IN" smtClean="0"/>
+              <a:pPr/>
               <a:t>‹#›</a:t>
             </a:fld>
             <a:endParaRPr lang="en-IN"/>
@@ -3234,6 +3257,7 @@
           <a:p>
             <a:fld id="{FCB5C6AF-1F58-4819-A7D2-7BA1DB72D4E6}" type="datetimeFigureOut">
               <a:rPr lang="en-US" smtClean="0"/>
+              <a:pPr/>
               <a:t>6/1/2019</a:t>
             </a:fld>
             <a:endParaRPr lang="en-IN"/>
@@ -3312,6 +3336,7 @@
           <a:p>
             <a:fld id="{B39EDA66-DC14-4E1F-9D06-9ADEFF45DEA6}" type="slidenum">
               <a:rPr lang="en-IN" smtClean="0"/>
+              <a:pPr/>
               <a:t>‹#›</a:t>
             </a:fld>
             <a:endParaRPr lang="en-IN"/>
@@ -4287,6 +4312,65 @@
         </p:nvSpPr>
         <p:spPr>
           <a:xfrm>
+            <a:off x="1142976" y="2071678"/>
+            <a:ext cx="7143800" cy="2862322"/>
+          </a:xfrm>
+          <a:prstGeom prst="rect">
+            <a:avLst/>
+          </a:prstGeom>
+          <a:noFill/>
+        </p:spPr>
+        <p:txBody>
+          <a:bodyPr wrap="square" rtlCol="0">
+            <a:spAutoFit/>
+          </a:bodyPr>
+          <a:lstStyle/>
+          <a:p>
+            <a:pPr algn="just"/>
+            <a:r>
+              <a:rPr lang="en-IN" sz="3600" dirty="0" smtClean="0"/>
+              <a:t>Finally, we aim to build a society in which the illness caused by unhygienic environment to women are reduced.</a:t>
+            </a:r>
+          </a:p>
+          <a:p>
+            <a:pPr algn="just"/>
+            <a:endParaRPr lang="en-IN" sz="3600" dirty="0"/>
+          </a:p>
+        </p:txBody>
+      </p:sp>
+    </p:spTree>
+  </p:cSld>
+  <p:clrMapOvr>
+    <a:masterClrMapping/>
+  </p:clrMapOvr>
+</p:sld>
+</file>
+
+<file path=ppt/slides/slide7.xml><?xml version="1.0" encoding="utf-8"?>
+<p:sld xmlns:a="http://schemas.openxmlformats.org/drawingml/2006/main" xmlns:r="http://schemas.openxmlformats.org/officeDocument/2006/relationships" xmlns:p="http://schemas.openxmlformats.org/presentationml/2006/main">
+  <p:cSld>
+    <p:spTree>
+      <p:nvGrpSpPr>
+        <p:cNvPr id="1" name=""/>
+        <p:cNvGrpSpPr/>
+        <p:nvPr/>
+      </p:nvGrpSpPr>
+      <p:grpSpPr>
+        <a:xfrm>
+          <a:off x="0" y="0"/>
+          <a:ext cx="0" cy="0"/>
+          <a:chOff x="0" y="0"/>
+          <a:chExt cx="0" cy="0"/>
+        </a:xfrm>
+      </p:grpSpPr>
+      <p:sp>
+        <p:nvSpPr>
+          <p:cNvPr id="2" name="TextBox 1"/>
+          <p:cNvSpPr txBox="1"/>
+          <p:nvPr/>
+        </p:nvSpPr>
+        <p:spPr>
+          <a:xfrm>
             <a:off x="2428860" y="2500306"/>
             <a:ext cx="3944798" cy="830997"/>
           </a:xfrm>
